--- a/modules/03_Files_and_Folders/SP25-computationalCMB-FilesAndFolders-Eliud.pptx
+++ b/modules/03_Files_and_Folders/SP25-computationalCMB-FilesAndFolders-Eliud.pptx
@@ -142,14 +142,6 @@
 </p:presentation>
 </file>
 
-<file path=ppt/revisionInfo.xml><?xml version="1.0" encoding="utf-8"?>
-<p1510:revInfo xmlns:a="http://schemas.openxmlformats.org/drawingml/2006/main" xmlns:r="http://schemas.openxmlformats.org/officeDocument/2006/relationships" xmlns:p1510="http://schemas.microsoft.com/office/powerpoint/2015/10/main">
-  <p1510:revLst>
-    <p1510:client id="{1F66F4C2-C594-0544-B1B1-9601F4D2789B}" v="92" dt="2024-02-05T13:51:29.411"/>
-  </p1510:revLst>
-</p1510:revInfo>
-</file>
-
 <file path=ppt/notesMasters/notesMaster1.xml><?xml version="1.0" encoding="utf-8"?>
 <p:notesMaster xmlns:a="http://schemas.openxmlformats.org/drawingml/2006/main" xmlns:r="http://schemas.openxmlformats.org/officeDocument/2006/relationships" xmlns:p="http://schemas.openxmlformats.org/presentationml/2006/main">
   <p:cSld>
@@ -721,6 +713,150 @@
     <p:extLst>
       <p:ext uri="{BB962C8B-B14F-4D97-AF65-F5344CB8AC3E}">
         <p14:creationId xmlns:p14="http://schemas.microsoft.com/office/powerpoint/2010/main" val="1690829791"/>
+      </p:ext>
+    </p:extLst>
+  </p:cSld>
+  <p:clrMapOvr>
+    <a:masterClrMapping/>
+  </p:clrMapOvr>
+</p:notes>
+</file>
+
+<file path=ppt/notesSlides/notesSlide3.xml><?xml version="1.0" encoding="utf-8"?>
+<p:notes xmlns:a="http://schemas.openxmlformats.org/drawingml/2006/main" xmlns:r="http://schemas.openxmlformats.org/officeDocument/2006/relationships" xmlns:p="http://schemas.openxmlformats.org/presentationml/2006/main">
+  <p:cSld>
+    <p:spTree>
+      <p:nvGrpSpPr>
+        <p:cNvPr id="1" name=""/>
+        <p:cNvGrpSpPr/>
+        <p:nvPr/>
+      </p:nvGrpSpPr>
+      <p:grpSpPr>
+        <a:xfrm>
+          <a:off x="0" y="0"/>
+          <a:ext cx="0" cy="0"/>
+          <a:chOff x="0" y="0"/>
+          <a:chExt cx="0" cy="0"/>
+        </a:xfrm>
+      </p:grpSpPr>
+      <p:sp>
+        <p:nvSpPr>
+          <p:cNvPr id="2" name="Slide Image Placeholder 1"/>
+          <p:cNvSpPr>
+            <a:spLocks noGrp="1" noRot="1" noChangeAspect="1"/>
+          </p:cNvSpPr>
+          <p:nvPr>
+            <p:ph type="sldImg"/>
+          </p:nvPr>
+        </p:nvSpPr>
+        <p:spPr/>
+      </p:sp>
+      <p:sp>
+        <p:nvSpPr>
+          <p:cNvPr id="3" name="Notes Placeholder 2"/>
+          <p:cNvSpPr>
+            <a:spLocks noGrp="1"/>
+          </p:cNvSpPr>
+          <p:nvPr>
+            <p:ph type="body" idx="1"/>
+          </p:nvPr>
+        </p:nvSpPr>
+        <p:spPr/>
+        <p:txBody>
+          <a:bodyPr/>
+          <a:lstStyle/>
+          <a:p>
+            <a:r>
+              <a:rPr lang="en-US" dirty="0"/>
+              <a:t>Google your error messages</a:t>
+            </a:r>
+          </a:p>
+          <a:p>
+            <a:pPr lvl="1"/>
+            <a:r>
+              <a:rPr lang="en-US" dirty="0"/>
+              <a:t>This will help you learn about your computer/software</a:t>
+            </a:r>
+          </a:p>
+          <a:p>
+            <a:r>
+              <a:rPr lang="en-US" dirty="0"/>
+              <a:t>Good Resources:</a:t>
+            </a:r>
+          </a:p>
+          <a:p>
+            <a:pPr lvl="1"/>
+            <a:r>
+              <a:rPr lang="en-US" dirty="0"/>
+              <a:t>Stack Overflow</a:t>
+            </a:r>
+          </a:p>
+          <a:p>
+            <a:pPr lvl="1"/>
+            <a:r>
+              <a:rPr lang="en-US" dirty="0"/>
+              <a:t>Stack Exchange</a:t>
+            </a:r>
+          </a:p>
+          <a:p>
+            <a:pPr lvl="1"/>
+            <a:r>
+              <a:rPr lang="en-US" dirty="0" err="1"/>
+              <a:t>GeeksforGeeks</a:t>
+            </a:r>
+            <a:endParaRPr lang="en-US" dirty="0"/>
+          </a:p>
+          <a:p>
+            <a:pPr lvl="1"/>
+            <a:r>
+              <a:rPr lang="en-US" dirty="0" err="1"/>
+              <a:t>Rdocumentation</a:t>
+            </a:r>
+            <a:r>
+              <a:rPr lang="en-US" dirty="0"/>
+              <a:t> (R specific)</a:t>
+            </a:r>
+          </a:p>
+          <a:p>
+            <a:pPr lvl="1"/>
+            <a:r>
+              <a:rPr lang="en-US" dirty="0" err="1"/>
+              <a:t>BioStars</a:t>
+            </a:r>
+            <a:endParaRPr lang="en-US" dirty="0"/>
+          </a:p>
+          <a:p>
+            <a:endParaRPr lang="en-US" dirty="0"/>
+          </a:p>
+        </p:txBody>
+      </p:sp>
+      <p:sp>
+        <p:nvSpPr>
+          <p:cNvPr id="4" name="Slide Number Placeholder 3"/>
+          <p:cNvSpPr>
+            <a:spLocks noGrp="1"/>
+          </p:cNvSpPr>
+          <p:nvPr>
+            <p:ph type="sldNum" sz="quarter" idx="5"/>
+          </p:nvPr>
+        </p:nvSpPr>
+        <p:spPr/>
+        <p:txBody>
+          <a:bodyPr/>
+          <a:lstStyle/>
+          <a:p>
+            <a:fld id="{B61E92D3-88A4-E645-8407-4E9215F529D3}" type="slidenum">
+              <a:rPr lang="en-US" smtClean="0"/>
+              <a:t>24</a:t>
+            </a:fld>
+            <a:endParaRPr lang="en-US"/>
+          </a:p>
+        </p:txBody>
+      </p:sp>
+    </p:spTree>
+    <p:extLst>
+      <p:ext uri="{BB962C8B-B14F-4D97-AF65-F5344CB8AC3E}">
+        <p14:creationId xmlns:p14="http://schemas.microsoft.com/office/powerpoint/2010/main" val="3361665263"/>
       </p:ext>
     </p:extLst>
   </p:cSld>
@@ -4407,13 +4543,13 @@
           <a:p>
             <a:r>
               <a:rPr lang="en-US" dirty="0"/>
-              <a:t>Shady Kuster</a:t>
+              <a:t>Eliud Rivas-Hernandez</a:t>
             </a:r>
           </a:p>
           <a:p>
             <a:r>
               <a:rPr lang="en-US" dirty="0"/>
-              <a:t>5 February 2024</a:t>
+              <a:t>10 February 2025</a:t>
             </a:r>
           </a:p>
         </p:txBody>
@@ -5690,7 +5826,7 @@
           <a:p>
             <a:r>
               <a:rPr lang="en-US" dirty="0"/>
-              <a:t>C:\Users\Shady\Documents\</a:t>
+              <a:t>C:\Users\Eliud\Documents\</a:t>
             </a:r>
             <a:r>
               <a:rPr lang="en-US" dirty="0" err="1"/>
@@ -5714,7 +5850,7 @@
             </a:r>
             <a:r>
               <a:rPr lang="en-US" dirty="0" err="1"/>
-              <a:t>kusters</a:t>
+              <a:t>RivasHernandez</a:t>
             </a:r>
             <a:r>
               <a:rPr lang="en-US" dirty="0"/>
@@ -9162,7 +9298,15 @@
           <a:p>
             <a:r>
               <a:rPr lang="en-US" dirty="0"/>
-              <a:t>Within file explorer, click the address bar at the top</a:t>
+              <a:t>Within </a:t>
+            </a:r>
+            <a:r>
+              <a:rPr lang="en-US" b="1" dirty="0"/>
+              <a:t>file explorer</a:t>
+            </a:r>
+            <a:r>
+              <a:rPr lang="en-US" dirty="0"/>
+              <a:t>, click the address bar at the top</a:t>
             </a:r>
           </a:p>
           <a:p>
@@ -9184,7 +9328,15 @@
           <a:p>
             <a:r>
               <a:rPr lang="en-US" dirty="0"/>
-              <a:t>Within Finder, click View -&gt; Show Path Bar (or alternatively, </a:t>
+              <a:t>Within </a:t>
+            </a:r>
+            <a:r>
+              <a:rPr lang="en-US" b="1" dirty="0"/>
+              <a:t>Finder</a:t>
+            </a:r>
+            <a:r>
+              <a:rPr lang="en-US" dirty="0"/>
+              <a:t>, click View -&gt; Show Path Bar (or alternatively, </a:t>
             </a:r>
             <a:r>
               <a:rPr lang="en-US" b="0" i="0" dirty="0">
@@ -9293,7 +9445,7 @@
             <p:ph idx="1"/>
             <p:extLst>
               <p:ext uri="{D42A27DB-BD31-4B8C-83A1-F6EECF244321}">
-                <p14:modId xmlns:p14="http://schemas.microsoft.com/office/powerpoint/2010/main" val="2669794372"/>
+                <p14:modId xmlns:p14="http://schemas.microsoft.com/office/powerpoint/2010/main" val="2697773343"/>
               </p:ext>
             </p:extLst>
           </p:nvPr>
@@ -9519,7 +9671,7 @@
                             <a:srgbClr val="455C52"/>
                           </a:solidFill>
                         </a:rPr>
-                        <a:t>Previous directory</a:t>
+                        <a:t>Parent directory</a:t>
                       </a:r>
                     </a:p>
                   </a:txBody>
@@ -10436,69 +10588,26 @@
             <p:ph idx="1"/>
           </p:nvPr>
         </p:nvSpPr>
-        <p:spPr/>
+        <p:spPr>
+          <a:xfrm>
+            <a:off x="637478" y="1847927"/>
+            <a:ext cx="10515600" cy="4351338"/>
+          </a:xfrm>
+        </p:spPr>
         <p:txBody>
           <a:bodyPr/>
           <a:lstStyle/>
           <a:p>
             <a:r>
               <a:rPr lang="en-US" dirty="0"/>
-              <a:t>Google your error messages</a:t>
-            </a:r>
-          </a:p>
-          <a:p>
-            <a:pPr lvl="1"/>
+              <a:t>Paste error message in ChatGPT</a:t>
+            </a:r>
+          </a:p>
+          <a:p>
             <a:r>
               <a:rPr lang="en-US" dirty="0"/>
-              <a:t>This will help you learn about your computer/software</a:t>
-            </a:r>
-          </a:p>
-          <a:p>
-            <a:r>
-              <a:rPr lang="en-US" dirty="0"/>
-              <a:t>Good Resources:</a:t>
-            </a:r>
-          </a:p>
-          <a:p>
-            <a:pPr lvl="1"/>
-            <a:r>
-              <a:rPr lang="en-US" dirty="0"/>
-              <a:t>Stack Overflow</a:t>
-            </a:r>
-          </a:p>
-          <a:p>
-            <a:pPr lvl="1"/>
-            <a:r>
-              <a:rPr lang="en-US" dirty="0"/>
-              <a:t>Stack Exchange</a:t>
-            </a:r>
-          </a:p>
-          <a:p>
-            <a:pPr lvl="1"/>
-            <a:r>
-              <a:rPr lang="en-US" dirty="0" err="1"/>
-              <a:t>GeeksforGeeks</a:t>
-            </a:r>
-            <a:endParaRPr lang="en-US" dirty="0"/>
-          </a:p>
-          <a:p>
-            <a:pPr lvl="1"/>
-            <a:r>
-              <a:rPr lang="en-US" dirty="0" err="1"/>
-              <a:t>Rdocumentation</a:t>
-            </a:r>
-            <a:r>
-              <a:rPr lang="en-US" dirty="0"/>
-              <a:t> (R specific)</a:t>
-            </a:r>
-          </a:p>
-          <a:p>
-            <a:pPr lvl="1"/>
-            <a:r>
-              <a:rPr lang="en-US" dirty="0" err="1"/>
-              <a:t>BioStars</a:t>
-            </a:r>
-            <a:endParaRPr lang="en-US" dirty="0"/>
+              <a:t>You did this in your assignment</a:t>
+            </a:r>
           </a:p>
         </p:txBody>
       </p:sp>
